--- a/3DPrinter/3. Printing GCode file.pptx
+++ b/3DPrinter/3. Printing GCode file.pptx
@@ -5,21 +5,18 @@
     <p:sldMasterId id="2147483840" r:id="rId1"/>
   </p:sldMasterIdLst>
   <p:notesMasterIdLst>
-    <p:notesMasterId r:id="rId11"/>
+    <p:notesMasterId r:id="rId8"/>
   </p:notesMasterIdLst>
   <p:handoutMasterIdLst>
-    <p:handoutMasterId r:id="rId12"/>
+    <p:handoutMasterId r:id="rId9"/>
   </p:handoutMasterIdLst>
   <p:sldIdLst>
     <p:sldId id="256" r:id="rId2"/>
     <p:sldId id="257" r:id="rId3"/>
-    <p:sldId id="308" r:id="rId4"/>
+    <p:sldId id="309" r:id="rId4"/>
     <p:sldId id="310" r:id="rId5"/>
     <p:sldId id="311" r:id="rId6"/>
-    <p:sldId id="312" r:id="rId7"/>
-    <p:sldId id="313" r:id="rId8"/>
-    <p:sldId id="309" r:id="rId9"/>
-    <p:sldId id="307" r:id="rId10"/>
+    <p:sldId id="307" r:id="rId7"/>
   </p:sldIdLst>
   <p:sldSz cx="12192000" cy="6858000"/>
   <p:notesSz cx="6858000" cy="9144000"/>
@@ -220,7 +217,7 @@
           <a:p>
             <a:fld id="{CAD87982-2863-994E-8EC0-48D5587C9C02}" type="datetimeFigureOut">
               <a:rPr kumimoji="1" lang="ko-KR" altLang="en-US" smtClean="0"/>
-              <a:t>2019. 7. 23.</a:t>
+              <a:t>2019. 7. 30.</a:t>
             </a:fld>
             <a:endParaRPr kumimoji="1" lang="ko-KR" altLang="en-US"/>
           </a:p>
@@ -397,7 +394,7 @@
           <a:p>
             <a:fld id="{9CE27200-AB0A-D44C-9518-F585E0DB9846}" type="datetimeFigureOut">
               <a:rPr kumimoji="1" lang="ko-KR" altLang="en-US" smtClean="0"/>
-              <a:t>2019. 7. 23.</a:t>
+              <a:t>2019. 7. 30.</a:t>
             </a:fld>
             <a:endParaRPr kumimoji="1" lang="ko-KR" altLang="en-US"/>
           </a:p>
@@ -906,7 +903,7 @@
     </p:spTree>
     <p:extLst>
       <p:ext uri="{BB962C8B-B14F-4D97-AF65-F5344CB8AC3E}">
-        <p14:creationId xmlns:p14="http://schemas.microsoft.com/office/powerpoint/2010/main" val="76361546"/>
+        <p14:creationId xmlns:p14="http://schemas.microsoft.com/office/powerpoint/2010/main" val="1397439965"/>
       </p:ext>
     </p:extLst>
   </p:cSld>
@@ -990,7 +987,7 @@
     </p:spTree>
     <p:extLst>
       <p:ext uri="{BB962C8B-B14F-4D97-AF65-F5344CB8AC3E}">
-        <p14:creationId xmlns:p14="http://schemas.microsoft.com/office/powerpoint/2010/main" val="883232484"/>
+        <p14:creationId xmlns:p14="http://schemas.microsoft.com/office/powerpoint/2010/main" val="4111482356"/>
       </p:ext>
     </p:extLst>
   </p:cSld>
@@ -1074,7 +1071,7 @@
     </p:spTree>
     <p:extLst>
       <p:ext uri="{BB962C8B-B14F-4D97-AF65-F5344CB8AC3E}">
-        <p14:creationId xmlns:p14="http://schemas.microsoft.com/office/powerpoint/2010/main" val="3372444197"/>
+        <p14:creationId xmlns:p14="http://schemas.microsoft.com/office/powerpoint/2010/main" val="1464721401"/>
       </p:ext>
     </p:extLst>
   </p:cSld>
@@ -1150,258 +1147,6 @@
             <a:fld id="{A96786A6-1AE2-BE49-88A2-E4ED08F1B941}" type="slidenum">
               <a:rPr kumimoji="1" lang="ko-KR" altLang="en-US" smtClean="0"/>
               <a:t>6</a:t>
-            </a:fld>
-            <a:endParaRPr kumimoji="1" lang="ko-KR" altLang="en-US"/>
-          </a:p>
-        </p:txBody>
-      </p:sp>
-    </p:spTree>
-    <p:extLst>
-      <p:ext uri="{BB962C8B-B14F-4D97-AF65-F5344CB8AC3E}">
-        <p14:creationId xmlns:p14="http://schemas.microsoft.com/office/powerpoint/2010/main" val="3688571688"/>
-      </p:ext>
-    </p:extLst>
-  </p:cSld>
-  <p:clrMapOvr>
-    <a:masterClrMapping/>
-  </p:clrMapOvr>
-</p:notes>
-</file>
-
-<file path=ppt/notesSlides/notesSlide7.xml><?xml version="1.0" encoding="utf-8"?>
-<p:notes xmlns:a="http://schemas.openxmlformats.org/drawingml/2006/main" xmlns:r="http://schemas.openxmlformats.org/officeDocument/2006/relationships" xmlns:p="http://schemas.openxmlformats.org/presentationml/2006/main">
-  <p:cSld>
-    <p:spTree>
-      <p:nvGrpSpPr>
-        <p:cNvPr id="1" name=""/>
-        <p:cNvGrpSpPr/>
-        <p:nvPr/>
-      </p:nvGrpSpPr>
-      <p:grpSpPr>
-        <a:xfrm>
-          <a:off x="0" y="0"/>
-          <a:ext cx="0" cy="0"/>
-          <a:chOff x="0" y="0"/>
-          <a:chExt cx="0" cy="0"/>
-        </a:xfrm>
-      </p:grpSpPr>
-      <p:sp>
-        <p:nvSpPr>
-          <p:cNvPr id="2" name="슬라이드 이미지 개체 틀 1"/>
-          <p:cNvSpPr>
-            <a:spLocks noGrp="1" noRot="1" noChangeAspect="1"/>
-          </p:cNvSpPr>
-          <p:nvPr>
-            <p:ph type="sldImg"/>
-          </p:nvPr>
-        </p:nvSpPr>
-        <p:spPr/>
-      </p:sp>
-      <p:sp>
-        <p:nvSpPr>
-          <p:cNvPr id="3" name="슬라이드 노트 개체 틀 2"/>
-          <p:cNvSpPr>
-            <a:spLocks noGrp="1"/>
-          </p:cNvSpPr>
-          <p:nvPr>
-            <p:ph type="body" idx="1"/>
-          </p:nvPr>
-        </p:nvSpPr>
-        <p:spPr/>
-        <p:txBody>
-          <a:bodyPr/>
-          <a:lstStyle/>
-          <a:p>
-            <a:endParaRPr kumimoji="1" lang="ko-KR" altLang="en-US"/>
-          </a:p>
-        </p:txBody>
-      </p:sp>
-      <p:sp>
-        <p:nvSpPr>
-          <p:cNvPr id="4" name="슬라이드 번호 개체 틀 3"/>
-          <p:cNvSpPr>
-            <a:spLocks noGrp="1"/>
-          </p:cNvSpPr>
-          <p:nvPr>
-            <p:ph type="sldNum" sz="quarter" idx="5"/>
-          </p:nvPr>
-        </p:nvSpPr>
-        <p:spPr/>
-        <p:txBody>
-          <a:bodyPr/>
-          <a:lstStyle/>
-          <a:p>
-            <a:fld id="{A96786A6-1AE2-BE49-88A2-E4ED08F1B941}" type="slidenum">
-              <a:rPr kumimoji="1" lang="ko-KR" altLang="en-US" smtClean="0"/>
-              <a:t>7</a:t>
-            </a:fld>
-            <a:endParaRPr kumimoji="1" lang="ko-KR" altLang="en-US"/>
-          </a:p>
-        </p:txBody>
-      </p:sp>
-    </p:spTree>
-    <p:extLst>
-      <p:ext uri="{BB962C8B-B14F-4D97-AF65-F5344CB8AC3E}">
-        <p14:creationId xmlns:p14="http://schemas.microsoft.com/office/powerpoint/2010/main" val="278843096"/>
-      </p:ext>
-    </p:extLst>
-  </p:cSld>
-  <p:clrMapOvr>
-    <a:masterClrMapping/>
-  </p:clrMapOvr>
-</p:notes>
-</file>
-
-<file path=ppt/notesSlides/notesSlide8.xml><?xml version="1.0" encoding="utf-8"?>
-<p:notes xmlns:a="http://schemas.openxmlformats.org/drawingml/2006/main" xmlns:r="http://schemas.openxmlformats.org/officeDocument/2006/relationships" xmlns:p="http://schemas.openxmlformats.org/presentationml/2006/main">
-  <p:cSld>
-    <p:spTree>
-      <p:nvGrpSpPr>
-        <p:cNvPr id="1" name=""/>
-        <p:cNvGrpSpPr/>
-        <p:nvPr/>
-      </p:nvGrpSpPr>
-      <p:grpSpPr>
-        <a:xfrm>
-          <a:off x="0" y="0"/>
-          <a:ext cx="0" cy="0"/>
-          <a:chOff x="0" y="0"/>
-          <a:chExt cx="0" cy="0"/>
-        </a:xfrm>
-      </p:grpSpPr>
-      <p:sp>
-        <p:nvSpPr>
-          <p:cNvPr id="2" name="슬라이드 이미지 개체 틀 1"/>
-          <p:cNvSpPr>
-            <a:spLocks noGrp="1" noRot="1" noChangeAspect="1"/>
-          </p:cNvSpPr>
-          <p:nvPr>
-            <p:ph type="sldImg"/>
-          </p:nvPr>
-        </p:nvSpPr>
-        <p:spPr/>
-      </p:sp>
-      <p:sp>
-        <p:nvSpPr>
-          <p:cNvPr id="3" name="슬라이드 노트 개체 틀 2"/>
-          <p:cNvSpPr>
-            <a:spLocks noGrp="1"/>
-          </p:cNvSpPr>
-          <p:nvPr>
-            <p:ph type="body" idx="1"/>
-          </p:nvPr>
-        </p:nvSpPr>
-        <p:spPr/>
-        <p:txBody>
-          <a:bodyPr/>
-          <a:lstStyle/>
-          <a:p>
-            <a:endParaRPr kumimoji="1" lang="ko-KR" altLang="en-US"/>
-          </a:p>
-        </p:txBody>
-      </p:sp>
-      <p:sp>
-        <p:nvSpPr>
-          <p:cNvPr id="4" name="슬라이드 번호 개체 틀 3"/>
-          <p:cNvSpPr>
-            <a:spLocks noGrp="1"/>
-          </p:cNvSpPr>
-          <p:nvPr>
-            <p:ph type="sldNum" sz="quarter" idx="5"/>
-          </p:nvPr>
-        </p:nvSpPr>
-        <p:spPr/>
-        <p:txBody>
-          <a:bodyPr/>
-          <a:lstStyle/>
-          <a:p>
-            <a:fld id="{A96786A6-1AE2-BE49-88A2-E4ED08F1B941}" type="slidenum">
-              <a:rPr kumimoji="1" lang="ko-KR" altLang="en-US" smtClean="0"/>
-              <a:t>8</a:t>
-            </a:fld>
-            <a:endParaRPr kumimoji="1" lang="ko-KR" altLang="en-US"/>
-          </a:p>
-        </p:txBody>
-      </p:sp>
-    </p:spTree>
-    <p:extLst>
-      <p:ext uri="{BB962C8B-B14F-4D97-AF65-F5344CB8AC3E}">
-        <p14:creationId xmlns:p14="http://schemas.microsoft.com/office/powerpoint/2010/main" val="1397439965"/>
-      </p:ext>
-    </p:extLst>
-  </p:cSld>
-  <p:clrMapOvr>
-    <a:masterClrMapping/>
-  </p:clrMapOvr>
-</p:notes>
-</file>
-
-<file path=ppt/notesSlides/notesSlide9.xml><?xml version="1.0" encoding="utf-8"?>
-<p:notes xmlns:a="http://schemas.openxmlformats.org/drawingml/2006/main" xmlns:r="http://schemas.openxmlformats.org/officeDocument/2006/relationships" xmlns:p="http://schemas.openxmlformats.org/presentationml/2006/main">
-  <p:cSld>
-    <p:spTree>
-      <p:nvGrpSpPr>
-        <p:cNvPr id="1" name=""/>
-        <p:cNvGrpSpPr/>
-        <p:nvPr/>
-      </p:nvGrpSpPr>
-      <p:grpSpPr>
-        <a:xfrm>
-          <a:off x="0" y="0"/>
-          <a:ext cx="0" cy="0"/>
-          <a:chOff x="0" y="0"/>
-          <a:chExt cx="0" cy="0"/>
-        </a:xfrm>
-      </p:grpSpPr>
-      <p:sp>
-        <p:nvSpPr>
-          <p:cNvPr id="2" name="슬라이드 이미지 개체 틀 1"/>
-          <p:cNvSpPr>
-            <a:spLocks noGrp="1" noRot="1" noChangeAspect="1"/>
-          </p:cNvSpPr>
-          <p:nvPr>
-            <p:ph type="sldImg"/>
-          </p:nvPr>
-        </p:nvSpPr>
-        <p:spPr/>
-      </p:sp>
-      <p:sp>
-        <p:nvSpPr>
-          <p:cNvPr id="3" name="슬라이드 노트 개체 틀 2"/>
-          <p:cNvSpPr>
-            <a:spLocks noGrp="1"/>
-          </p:cNvSpPr>
-          <p:nvPr>
-            <p:ph type="body" idx="1"/>
-          </p:nvPr>
-        </p:nvSpPr>
-        <p:spPr/>
-        <p:txBody>
-          <a:bodyPr/>
-          <a:lstStyle/>
-          <a:p>
-            <a:endParaRPr kumimoji="1" lang="ko-KR" altLang="en-US"/>
-          </a:p>
-        </p:txBody>
-      </p:sp>
-      <p:sp>
-        <p:nvSpPr>
-          <p:cNvPr id="4" name="슬라이드 번호 개체 틀 3"/>
-          <p:cNvSpPr>
-            <a:spLocks noGrp="1"/>
-          </p:cNvSpPr>
-          <p:nvPr>
-            <p:ph type="sldNum" sz="quarter" idx="5"/>
-          </p:nvPr>
-        </p:nvSpPr>
-        <p:spPr/>
-        <p:txBody>
-          <a:bodyPr/>
-          <a:lstStyle/>
-          <a:p>
-            <a:fld id="{A96786A6-1AE2-BE49-88A2-E4ED08F1B941}" type="slidenum">
-              <a:rPr kumimoji="1" lang="ko-KR" altLang="en-US" smtClean="0"/>
-              <a:t>9</a:t>
             </a:fld>
             <a:endParaRPr kumimoji="1" lang="ko-KR" altLang="en-US"/>
           </a:p>
@@ -1645,7 +1390,7 @@
             <a:fld id="{5586B75A-687E-405C-8A0B-8D00578BA2C3}" type="datetimeFigureOut">
               <a:rPr lang="en-US" dirty="0"/>
               <a:pPr/>
-              <a:t>7/23/19</a:t>
+              <a:t>7/30/19</a:t>
             </a:fld>
             <a:endParaRPr lang="en-US" dirty="0"/>
           </a:p>
@@ -1812,7 +1557,7 @@
             <a:fld id="{5586B75A-687E-405C-8A0B-8D00578BA2C3}" type="datetimeFigureOut">
               <a:rPr lang="en-US" dirty="0"/>
               <a:pPr/>
-              <a:t>7/23/19</a:t>
+              <a:t>7/30/19</a:t>
             </a:fld>
             <a:endParaRPr lang="en-US" dirty="0"/>
           </a:p>
@@ -1989,7 +1734,7 @@
             <a:fld id="{5586B75A-687E-405C-8A0B-8D00578BA2C3}" type="datetimeFigureOut">
               <a:rPr lang="en-US" dirty="0"/>
               <a:pPr/>
-              <a:t>7/23/19</a:t>
+              <a:t>7/30/19</a:t>
             </a:fld>
             <a:endParaRPr lang="en-US" dirty="0"/>
           </a:p>
@@ -2156,7 +1901,7 @@
             <a:fld id="{5586B75A-687E-405C-8A0B-8D00578BA2C3}" type="datetimeFigureOut">
               <a:rPr lang="en-US" dirty="0"/>
               <a:pPr/>
-              <a:t>7/23/19</a:t>
+              <a:t>7/30/19</a:t>
             </a:fld>
             <a:endParaRPr lang="en-US" dirty="0"/>
           </a:p>
@@ -2411,7 +2156,7 @@
             <a:fld id="{5586B75A-687E-405C-8A0B-8D00578BA2C3}" type="datetimeFigureOut">
               <a:rPr lang="en-US" dirty="0"/>
               <a:pPr/>
-              <a:t>7/23/19</a:t>
+              <a:t>7/30/19</a:t>
             </a:fld>
             <a:endParaRPr lang="en-US" dirty="0"/>
           </a:p>
@@ -2696,7 +2441,7 @@
             <a:fld id="{5586B75A-687E-405C-8A0B-8D00578BA2C3}" type="datetimeFigureOut">
               <a:rPr lang="en-US" dirty="0"/>
               <a:pPr/>
-              <a:t>7/23/19</a:t>
+              <a:t>7/30/19</a:t>
             </a:fld>
             <a:endParaRPr lang="en-US" dirty="0"/>
           </a:p>
@@ -3135,7 +2880,7 @@
             <a:fld id="{5586B75A-687E-405C-8A0B-8D00578BA2C3}" type="datetimeFigureOut">
               <a:rPr lang="en-US" dirty="0"/>
               <a:pPr/>
-              <a:t>7/23/19</a:t>
+              <a:t>7/30/19</a:t>
             </a:fld>
             <a:endParaRPr lang="en-US" dirty="0"/>
           </a:p>
@@ -3250,7 +2995,7 @@
             <a:fld id="{5586B75A-687E-405C-8A0B-8D00578BA2C3}" type="datetimeFigureOut">
               <a:rPr lang="en-US" dirty="0"/>
               <a:pPr/>
-              <a:t>7/23/19</a:t>
+              <a:t>7/30/19</a:t>
             </a:fld>
             <a:endParaRPr lang="en-US" dirty="0"/>
           </a:p>
@@ -3342,7 +3087,7 @@
             <a:fld id="{5586B75A-687E-405C-8A0B-8D00578BA2C3}" type="datetimeFigureOut">
               <a:rPr lang="en-US" dirty="0"/>
               <a:pPr/>
-              <a:t>7/23/19</a:t>
+              <a:t>7/30/19</a:t>
             </a:fld>
             <a:endParaRPr lang="en-US" dirty="0"/>
           </a:p>
@@ -3627,7 +3372,7 @@
             <a:fld id="{5586B75A-687E-405C-8A0B-8D00578BA2C3}" type="datetimeFigureOut">
               <a:rPr lang="en-US" dirty="0"/>
               <a:pPr/>
-              <a:t>7/23/19</a:t>
+              <a:t>7/30/19</a:t>
             </a:fld>
             <a:endParaRPr lang="en-US" dirty="0"/>
           </a:p>
@@ -3897,7 +3642,7 @@
             <a:fld id="{5586B75A-687E-405C-8A0B-8D00578BA2C3}" type="datetimeFigureOut">
               <a:rPr lang="en-US" dirty="0"/>
               <a:pPr/>
-              <a:t>7/23/19</a:t>
+              <a:t>7/30/19</a:t>
             </a:fld>
             <a:endParaRPr lang="en-US" dirty="0"/>
           </a:p>
@@ -4191,7 +3936,7 @@
             <a:fld id="{5586B75A-687E-405C-8A0B-8D00578BA2C3}" type="datetimeFigureOut">
               <a:rPr lang="en-US" dirty="0"/>
               <a:pPr/>
-              <a:t>7/23/19</a:t>
+              <a:t>7/30/19</a:t>
             </a:fld>
             <a:endParaRPr lang="en-US" dirty="0"/>
           </a:p>
@@ -4982,19 +4727,11 @@
             </a:pPr>
             <a:r>
               <a:rPr kumimoji="1" lang="en-US" altLang="ko-KR" dirty="0"/>
-              <a:t>1. </a:t>
+              <a:t>1.</a:t>
             </a:r>
             <a:r>
               <a:rPr kumimoji="1" lang="ko-KR" altLang="en-US" dirty="0"/>
-              <a:t>시작하기 전</a:t>
-            </a:r>
-            <a:r>
-              <a:rPr kumimoji="1" lang="en-US" altLang="ko-KR" dirty="0"/>
-              <a:t>,</a:t>
-            </a:r>
-            <a:r>
-              <a:rPr kumimoji="1" lang="ko-KR" altLang="en-US" dirty="0"/>
-              <a:t> 주의사항</a:t>
+              <a:t> 일단 출력해 보기</a:t>
             </a:r>
             <a:endParaRPr kumimoji="1" lang="en-US" altLang="ko-KR" dirty="0"/>
           </a:p>
@@ -5007,22 +4744,6 @@
             <a:r>
               <a:rPr kumimoji="1" lang="en-US" altLang="ko-KR" dirty="0"/>
               <a:t>2.</a:t>
-            </a:r>
-            <a:r>
-              <a:rPr kumimoji="1" lang="ko-KR" altLang="en-US" dirty="0"/>
-              <a:t> 일단 출력해 보기</a:t>
-            </a:r>
-            <a:endParaRPr kumimoji="1" lang="en-US" altLang="ko-KR" dirty="0"/>
-          </a:p>
-          <a:p>
-            <a:pPr>
-              <a:lnSpc>
-                <a:spcPct val="150000"/>
-              </a:lnSpc>
-            </a:pPr>
-            <a:r>
-              <a:rPr kumimoji="1" lang="en-US" altLang="ko-KR" dirty="0"/>
-              <a:t>3.</a:t>
             </a:r>
             <a:r>
               <a:rPr kumimoji="1" lang="ko-KR" altLang="en-US" dirty="0"/>
@@ -5091,18 +4812,11 @@
             <a:pPr algn="ctr"/>
             <a:r>
               <a:rPr kumimoji="1" lang="ko-KR" altLang="en-US" dirty="0"/>
-              <a:t>주의사항</a:t>
+              <a:t>일단 출력</a:t>
             </a:r>
             <a:r>
               <a:rPr kumimoji="1" lang="en-US" altLang="ko-KR" dirty="0"/>
               <a:t>!</a:t>
-            </a:r>
-            <a:br>
-              <a:rPr kumimoji="1" lang="en-US" altLang="ko-KR" dirty="0"/>
-            </a:br>
-            <a:r>
-              <a:rPr kumimoji="1" lang="en-US" altLang="ko-KR" sz="2000" dirty="0"/>
-              <a:t>(Most important)</a:t>
             </a:r>
             <a:endParaRPr kumimoji="1" lang="ko-KR" altLang="en-US" sz="2000" dirty="0"/>
           </a:p>
@@ -5135,45 +4849,34 @@
               </a:lnSpc>
             </a:pPr>
             <a:r>
-              <a:rPr kumimoji="1" lang="en-US" altLang="ko-KR" dirty="0"/>
-              <a:t>1. </a:t>
+              <a:rPr kumimoji="1" lang="en-US" altLang="ko-KR" dirty="0" err="1"/>
+              <a:t>Cura</a:t>
             </a:r>
             <a:r>
               <a:rPr kumimoji="1" lang="ko-KR" altLang="en-US" dirty="0"/>
-              <a:t>프린트를 시작했을 때</a:t>
-            </a:r>
-            <a:r>
-              <a:rPr kumimoji="1" lang="en-US" altLang="ko-KR" dirty="0"/>
-              <a:t>,</a:t>
+              <a:t>에서 </a:t>
+            </a:r>
+            <a:r>
+              <a:rPr kumimoji="1" lang="ko-KR" altLang="en-US" dirty="0" err="1"/>
+              <a:t>슬라이싱</a:t>
             </a:r>
             <a:r>
               <a:rPr kumimoji="1" lang="ko-KR" altLang="en-US" dirty="0"/>
-              <a:t> 프린트를 </a:t>
+              <a:t> 한 파일을 </a:t>
+            </a:r>
+            <a:r>
+              <a:rPr kumimoji="1" lang="en-US" altLang="ko-KR" dirty="0" err="1"/>
+              <a:t>SDCard</a:t>
             </a:r>
             <a:r>
               <a:rPr kumimoji="1" lang="ko-KR" altLang="en-US" dirty="0" err="1"/>
-              <a:t>진행중일때</a:t>
-            </a:r>
-            <a:r>
-              <a:rPr kumimoji="1" lang="en-US" altLang="ko-KR" dirty="0"/>
-              <a:t>,</a:t>
+              <a:t>최상단</a:t>
             </a:r>
             <a:r>
               <a:rPr kumimoji="1" lang="ko-KR" altLang="en-US" dirty="0"/>
-              <a:t> 프린트가 끝나고 약 </a:t>
-            </a:r>
-            <a:r>
-              <a:rPr kumimoji="1" lang="en-US" altLang="ko-KR" dirty="0"/>
-              <a:t>10~20</a:t>
-            </a:r>
-            <a:r>
-              <a:rPr kumimoji="1" lang="ko-KR" altLang="en-US" dirty="0"/>
-              <a:t>분간은 절대 프린터 내부에 손을 넣거나 만지는 행위는 하지 말기</a:t>
-            </a:r>
-            <a:r>
-              <a:rPr kumimoji="1" lang="en-US" altLang="ko-KR" dirty="0"/>
-              <a:t>.</a:t>
-            </a:r>
+              <a:t> 위치에 저장</a:t>
+            </a:r>
+            <a:endParaRPr kumimoji="1" lang="en-US" altLang="ko-KR" dirty="0"/>
           </a:p>
           <a:p>
             <a:pPr>
@@ -5182,146 +4885,47 @@
               </a:lnSpc>
             </a:pPr>
             <a:r>
-              <a:rPr kumimoji="1" lang="en-US" altLang="ko-KR" dirty="0"/>
-              <a:t>2.</a:t>
-            </a:r>
-            <a:r>
               <a:rPr kumimoji="1" lang="ko-KR" altLang="en-US" dirty="0"/>
-              <a:t> 프린터를 무리하게 움직이거나</a:t>
-            </a:r>
-            <a:r>
-              <a:rPr kumimoji="1" lang="en-US" altLang="ko-KR" dirty="0"/>
-              <a:t>,</a:t>
-            </a:r>
-            <a:r>
-              <a:rPr kumimoji="1" lang="ko-KR" altLang="en-US" dirty="0"/>
-              <a:t> 충격을 주지 말기</a:t>
-            </a:r>
-            <a:r>
-              <a:rPr kumimoji="1" lang="en-US" altLang="ko-KR" dirty="0"/>
-              <a:t>(</a:t>
-            </a:r>
-            <a:r>
-              <a:rPr kumimoji="1" lang="ko-KR" altLang="en-US" dirty="0" err="1"/>
-              <a:t>동작중</a:t>
-            </a:r>
-            <a:r>
-              <a:rPr kumimoji="1" lang="en-US" altLang="ko-KR" dirty="0"/>
-              <a:t>/</a:t>
-            </a:r>
-            <a:r>
-              <a:rPr kumimoji="1" lang="ko-KR" altLang="en-US" dirty="0"/>
-              <a:t>동작 </a:t>
-            </a:r>
-            <a:r>
-              <a:rPr kumimoji="1" lang="ko-KR" altLang="en-US" dirty="0" err="1"/>
-              <a:t>안할때</a:t>
-            </a:r>
-            <a:r>
-              <a:rPr kumimoji="1" lang="ko-KR" altLang="en-US" dirty="0"/>
-              <a:t> 포함</a:t>
-            </a:r>
-            <a:r>
-              <a:rPr kumimoji="1" lang="en-US" altLang="ko-KR" dirty="0"/>
-              <a:t>)</a:t>
-            </a:r>
-          </a:p>
-          <a:p>
-            <a:pPr>
-              <a:lnSpc>
-                <a:spcPct val="150000"/>
-              </a:lnSpc>
-            </a:pPr>
-            <a:r>
-              <a:rPr kumimoji="1" lang="en-US" altLang="ko-KR" dirty="0"/>
-              <a:t>3.</a:t>
-            </a:r>
-            <a:r>
-              <a:rPr kumimoji="1" lang="ko-KR" altLang="en-US" dirty="0"/>
-              <a:t> 메뉴 조작은 </a:t>
-            </a:r>
-            <a:r>
-              <a:rPr kumimoji="1" lang="en-US" altLang="ko-KR" dirty="0"/>
-              <a:t>“</a:t>
-            </a:r>
-            <a:r>
-              <a:rPr kumimoji="1" lang="ko-KR" altLang="en-US" dirty="0"/>
-              <a:t>자신이 무엇을 하는지</a:t>
-            </a:r>
-            <a:r>
-              <a:rPr kumimoji="1" lang="en-US" altLang="ko-KR" dirty="0"/>
-              <a:t>”</a:t>
-            </a:r>
-            <a:r>
-              <a:rPr kumimoji="1" lang="ko-KR" altLang="en-US" dirty="0"/>
-              <a:t> 정확히 알고</a:t>
-            </a:r>
-            <a:r>
-              <a:rPr kumimoji="1" lang="en-US" altLang="ko-KR" dirty="0"/>
-              <a:t>,</a:t>
-            </a:r>
-            <a:r>
-              <a:rPr kumimoji="1" lang="ko-KR" altLang="en-US" dirty="0"/>
-              <a:t> 이에 발생하는 문제에 항상 대비한다</a:t>
-            </a:r>
-            <a:r>
-              <a:rPr kumimoji="1" lang="en-US" altLang="ko-KR" dirty="0"/>
-              <a:t>.</a:t>
-            </a:r>
-          </a:p>
-          <a:p>
-            <a:pPr>
-              <a:lnSpc>
-                <a:spcPct val="150000"/>
-              </a:lnSpc>
-            </a:pPr>
-            <a:r>
-              <a:rPr kumimoji="1" lang="en-US" altLang="ko-KR" dirty="0"/>
-              <a:t>4.</a:t>
-            </a:r>
-            <a:r>
-              <a:rPr kumimoji="1" lang="ko-KR" altLang="en-US" dirty="0"/>
-              <a:t> 항상 문제 상황에 대비해</a:t>
-            </a:r>
-            <a:r>
-              <a:rPr kumimoji="1" lang="en-US" altLang="ko-KR" dirty="0"/>
-              <a:t>,</a:t>
-            </a:r>
-            <a:r>
-              <a:rPr kumimoji="1" lang="ko-KR" altLang="en-US" dirty="0"/>
-              <a:t> 화제 혹은 이에 준하는 사고가 날 경우</a:t>
-            </a:r>
-            <a:r>
-              <a:rPr kumimoji="1" lang="en-US" altLang="ko-KR" dirty="0"/>
-              <a:t>,</a:t>
-            </a:r>
-            <a:r>
-              <a:rPr kumimoji="1" lang="ko-KR" altLang="en-US" dirty="0"/>
-              <a:t> 소화기 및 안전 가이드라인을 </a:t>
-            </a:r>
-            <a:r>
-              <a:rPr kumimoji="1" lang="ko-KR" altLang="en-US" b="1" dirty="0">
-                <a:solidFill>
-                  <a:srgbClr val="FF0000"/>
-                </a:solidFill>
+              <a:t>메인 메뉴 </a:t>
+            </a:r>
+            <a:r>
+              <a:rPr kumimoji="1" lang="en-US" altLang="ko-KR" dirty="0">
+                <a:sym typeface="Wingdings" pitchFamily="2" charset="2"/>
               </a:rPr>
-              <a:t>상시</a:t>
-            </a:r>
-            <a:r>
-              <a:rPr kumimoji="1" lang="ko-KR" altLang="en-US" dirty="0"/>
-              <a:t> 준비해 놓는다</a:t>
-            </a:r>
-            <a:r>
-              <a:rPr kumimoji="1" lang="en-US" altLang="ko-KR" dirty="0"/>
-              <a:t>.</a:t>
-            </a:r>
+              <a:t></a:t>
+            </a:r>
+            <a:r>
+              <a:rPr kumimoji="1" lang="ko-KR" altLang="en-US" dirty="0">
+                <a:sym typeface="Wingdings" pitchFamily="2" charset="2"/>
+              </a:rPr>
+              <a:t> </a:t>
+            </a:r>
+            <a:r>
+              <a:rPr kumimoji="1" lang="en-US" altLang="ko-KR" dirty="0">
+                <a:sym typeface="Wingdings" pitchFamily="2" charset="2"/>
+              </a:rPr>
+              <a:t>Print from SD  </a:t>
+            </a:r>
+            <a:r>
+              <a:rPr kumimoji="1" lang="en-US" altLang="ko-KR" dirty="0" err="1">
+                <a:sym typeface="Wingdings" pitchFamily="2" charset="2"/>
+              </a:rPr>
+              <a:t>Gcode</a:t>
+            </a:r>
+            <a:r>
+              <a:rPr kumimoji="1" lang="ko-KR" altLang="en-US" dirty="0">
+                <a:sym typeface="Wingdings" pitchFamily="2" charset="2"/>
+              </a:rPr>
+              <a:t>파일 선택</a:t>
+            </a:r>
+            <a:endParaRPr kumimoji="1" lang="en-US" altLang="ko-KR" dirty="0"/>
           </a:p>
         </p:txBody>
       </p:sp>
     </p:spTree>
     <p:extLst>
       <p:ext uri="{BB962C8B-B14F-4D97-AF65-F5344CB8AC3E}">
-        <p14:creationId xmlns:p14="http://schemas.microsoft.com/office/powerpoint/2010/main" val="3116980250"/>
+        <p14:creationId xmlns:p14="http://schemas.microsoft.com/office/powerpoint/2010/main" val="3421505082"/>
       </p:ext>
     </p:extLst>
   </p:cSld>
@@ -5377,271 +4981,280 @@
             <a:pPr algn="ctr"/>
             <a:r>
               <a:rPr kumimoji="1" lang="ko-KR" altLang="en-US" dirty="0"/>
-              <a:t>주의사항</a:t>
-            </a:r>
-            <a:r>
-              <a:rPr kumimoji="1" lang="en-US" altLang="ko-KR" dirty="0"/>
-              <a:t>!</a:t>
+              <a:t>메뉴 분석</a:t>
             </a:r>
             <a:br>
               <a:rPr kumimoji="1" lang="en-US" altLang="ko-KR" dirty="0"/>
             </a:br>
             <a:r>
-              <a:rPr kumimoji="1" lang="en-US" altLang="ko-KR" sz="2000" dirty="0"/>
-              <a:t>(Most important)</a:t>
+              <a:rPr kumimoji="1" lang="en-US" altLang="ko-KR" dirty="0"/>
+              <a:t>(Main</a:t>
+            </a:r>
+            <a:r>
+              <a:rPr kumimoji="1" lang="ko-KR" altLang="en-US" dirty="0"/>
+              <a:t> </a:t>
+            </a:r>
+            <a:r>
+              <a:rPr kumimoji="1" lang="en-US" altLang="ko-KR" dirty="0"/>
+              <a:t>-</a:t>
+            </a:r>
+            <a:r>
+              <a:rPr kumimoji="1" lang="ko-KR" altLang="en-US" dirty="0"/>
+              <a:t> 형태</a:t>
+            </a:r>
+            <a:r>
+              <a:rPr kumimoji="1" lang="en-US" altLang="ko-KR" dirty="0"/>
+              <a:t>)</a:t>
             </a:r>
             <a:endParaRPr kumimoji="1" lang="ko-KR" altLang="en-US" sz="2000" dirty="0"/>
           </a:p>
         </p:txBody>
       </p:sp>
-      <p:sp>
-        <p:nvSpPr>
-          <p:cNvPr id="3" name="내용 개체 틀 2">
+      <p:grpSp>
+        <p:nvGrpSpPr>
+          <p:cNvPr id="10" name="그룹 9">
             <a:extLst>
               <a:ext uri="{FF2B5EF4-FFF2-40B4-BE49-F238E27FC236}">
-                <a16:creationId xmlns:a16="http://schemas.microsoft.com/office/drawing/2014/main" id="{F76159AB-0E8F-0549-97CB-A1DD2B92F485}"/>
+                <a16:creationId xmlns:a16="http://schemas.microsoft.com/office/drawing/2014/main" id="{37049CBB-DA9D-C34B-9C92-A2D8509C0D3A}"/>
               </a:ext>
             </a:extLst>
           </p:cNvPr>
-          <p:cNvSpPr>
-            <a:spLocks noGrp="1"/>
-          </p:cNvSpPr>
-          <p:nvPr>
-            <p:ph idx="1"/>
-          </p:nvPr>
-        </p:nvSpPr>
-        <p:spPr/>
-        <p:txBody>
-          <a:bodyPr>
-            <a:normAutofit/>
-          </a:bodyPr>
-          <a:lstStyle/>
-          <a:p>
-            <a:pPr>
-              <a:lnSpc>
-                <a:spcPct val="150000"/>
-              </a:lnSpc>
-            </a:pPr>
-            <a:r>
-              <a:rPr kumimoji="1" lang="en-US" altLang="ko-KR" dirty="0"/>
-              <a:t>5.</a:t>
-            </a:r>
-            <a:r>
-              <a:rPr kumimoji="1" lang="ko-KR" altLang="en-US" dirty="0"/>
-              <a:t> 출력이 모두 </a:t>
-            </a:r>
-            <a:r>
-              <a:rPr kumimoji="1" lang="ko-KR" altLang="en-US" dirty="0" err="1"/>
-              <a:t>끝난후</a:t>
-            </a:r>
-            <a:r>
-              <a:rPr kumimoji="1" lang="en-US" altLang="ko-KR" dirty="0"/>
-              <a:t>,</a:t>
-            </a:r>
-            <a:r>
-              <a:rPr kumimoji="1" lang="ko-KR" altLang="en-US" dirty="0"/>
-              <a:t> 안전 온도</a:t>
-            </a:r>
-            <a:r>
-              <a:rPr kumimoji="1" lang="en-US" altLang="ko-KR" dirty="0"/>
-              <a:t>(E:30~40, HB: 40)</a:t>
-            </a:r>
-            <a:r>
-              <a:rPr kumimoji="1" lang="ko-KR" altLang="en-US" dirty="0"/>
-              <a:t> 이하로 내려갔을 때</a:t>
-            </a:r>
-            <a:r>
-              <a:rPr kumimoji="1" lang="en-US" altLang="ko-KR" dirty="0"/>
-              <a:t>,</a:t>
-            </a:r>
-            <a:r>
-              <a:rPr kumimoji="1" lang="ko-KR" altLang="en-US" dirty="0"/>
-              <a:t> 출력물은 베드에서부터 </a:t>
-            </a:r>
-            <a:r>
-              <a:rPr kumimoji="1" lang="ko-KR" altLang="en-US" dirty="0" err="1"/>
-              <a:t>조심히</a:t>
-            </a:r>
-            <a:r>
-              <a:rPr kumimoji="1" lang="ko-KR" altLang="en-US" dirty="0"/>
-              <a:t> 헤라로 분리시킨다</a:t>
-            </a:r>
-            <a:r>
-              <a:rPr kumimoji="1" lang="en-US" altLang="ko-KR" dirty="0"/>
-              <a:t>.</a:t>
-            </a:r>
-          </a:p>
-          <a:p>
-            <a:pPr>
-              <a:lnSpc>
-                <a:spcPct val="150000"/>
-              </a:lnSpc>
-            </a:pPr>
-            <a:r>
-              <a:rPr kumimoji="1" lang="en-US" altLang="ko-KR" dirty="0"/>
-              <a:t>6.</a:t>
-            </a:r>
-            <a:r>
-              <a:rPr kumimoji="1" lang="ko-KR" altLang="en-US" dirty="0"/>
-              <a:t> 어떤 상황이든 프린터를 진행할 때는 보호자 혹은 이에 준하는 사람이 출력 상황을 </a:t>
-            </a:r>
-            <a:r>
-              <a:rPr kumimoji="1" lang="ko-KR" altLang="en-US" b="1" u="sng" dirty="0">
-                <a:solidFill>
-                  <a:srgbClr val="FF0000"/>
-                </a:solidFill>
-              </a:rPr>
-              <a:t>상시</a:t>
-            </a:r>
-            <a:r>
-              <a:rPr kumimoji="1" lang="ko-KR" altLang="en-US" u="sng" dirty="0"/>
-              <a:t> </a:t>
-            </a:r>
-            <a:r>
-              <a:rPr kumimoji="1" lang="ko-KR" altLang="en-US" b="1" u="sng" dirty="0">
-                <a:solidFill>
-                  <a:srgbClr val="FF0000"/>
-                </a:solidFill>
-              </a:rPr>
-              <a:t>모니터링</a:t>
-            </a:r>
-            <a:r>
-              <a:rPr kumimoji="1" lang="ko-KR" altLang="en-US" u="sng" dirty="0"/>
-              <a:t> </a:t>
-            </a:r>
-            <a:r>
-              <a:rPr kumimoji="1" lang="ko-KR" altLang="en-US" dirty="0" err="1"/>
-              <a:t>해야되며</a:t>
-            </a:r>
-            <a:r>
-              <a:rPr kumimoji="1" lang="en-US" altLang="ko-KR" dirty="0"/>
-              <a:t>,</a:t>
-            </a:r>
-            <a:r>
-              <a:rPr kumimoji="1" lang="ko-KR" altLang="en-US" dirty="0"/>
-              <a:t> 출력 예상 도중 모니터링이 불가능할 경우</a:t>
-            </a:r>
-            <a:r>
-              <a:rPr kumimoji="1" lang="en-US" altLang="ko-KR" dirty="0"/>
-              <a:t>,</a:t>
-            </a:r>
-            <a:r>
-              <a:rPr kumimoji="1" lang="ko-KR" altLang="en-US" dirty="0"/>
-              <a:t> 출력은 하지 </a:t>
-            </a:r>
-            <a:r>
-              <a:rPr kumimoji="1" lang="ko-KR" altLang="en-US" dirty="0" err="1"/>
-              <a:t>말아야된다</a:t>
-            </a:r>
-            <a:r>
-              <a:rPr kumimoji="1" lang="en-US" altLang="ko-KR" dirty="0"/>
-              <a:t>.</a:t>
-            </a:r>
-          </a:p>
-          <a:p>
-            <a:pPr>
-              <a:lnSpc>
-                <a:spcPct val="150000"/>
-              </a:lnSpc>
-            </a:pPr>
-            <a:r>
-              <a:rPr kumimoji="1" lang="en-US" altLang="ko-KR" dirty="0"/>
-              <a:t>7.</a:t>
-            </a:r>
-            <a:r>
-              <a:rPr kumimoji="1" lang="ko-KR" altLang="en-US" dirty="0"/>
-              <a:t> 출력 중에는 재료</a:t>
-            </a:r>
-            <a:r>
-              <a:rPr kumimoji="1" lang="en-US" altLang="ko-KR" dirty="0"/>
-              <a:t>/</a:t>
-            </a:r>
-            <a:r>
-              <a:rPr kumimoji="1" lang="ko-KR" altLang="en-US" dirty="0"/>
-              <a:t>소재 상관 없이 </a:t>
-            </a:r>
-            <a:r>
-              <a:rPr kumimoji="1" lang="en-US" altLang="ko-KR" dirty="0"/>
-              <a:t>CO2, </a:t>
-            </a:r>
-            <a:r>
-              <a:rPr kumimoji="1" lang="en-US" altLang="ko-KR" dirty="0" err="1"/>
-              <a:t>FormAldeHyde</a:t>
-            </a:r>
-            <a:r>
-              <a:rPr kumimoji="1" lang="en-US" altLang="ko-KR" dirty="0"/>
-              <a:t>(ABS)</a:t>
-            </a:r>
-            <a:r>
-              <a:rPr kumimoji="1" lang="ko-KR" altLang="en-US" dirty="0"/>
-              <a:t>가 다량 나올 수 있으므로 장소가 </a:t>
-            </a:r>
-            <a:r>
-              <a:rPr kumimoji="1" lang="ko-KR" altLang="en-US" b="1" u="sng" dirty="0">
-                <a:solidFill>
-                  <a:srgbClr val="FF0000"/>
-                </a:solidFill>
-              </a:rPr>
-              <a:t>상시 </a:t>
-            </a:r>
-            <a:r>
-              <a:rPr kumimoji="1" lang="ko-KR" altLang="en-US" b="1" u="sng" dirty="0" err="1">
-                <a:solidFill>
-                  <a:srgbClr val="FF0000"/>
-                </a:solidFill>
-              </a:rPr>
-              <a:t>환기되어야</a:t>
-            </a:r>
-            <a:r>
-              <a:rPr kumimoji="1" lang="ko-KR" altLang="en-US" b="1" dirty="0">
-                <a:solidFill>
-                  <a:srgbClr val="FF0000"/>
-                </a:solidFill>
-              </a:rPr>
-              <a:t> </a:t>
-            </a:r>
-            <a:r>
-              <a:rPr kumimoji="1" lang="ko-KR" altLang="en-US" dirty="0"/>
-              <a:t>하고</a:t>
-            </a:r>
-            <a:r>
-              <a:rPr kumimoji="1" lang="en-US" altLang="ko-KR" dirty="0"/>
-              <a:t>,</a:t>
-            </a:r>
-            <a:r>
-              <a:rPr kumimoji="1" lang="ko-KR" altLang="en-US" dirty="0"/>
-              <a:t> 사람은 가까이에서 냄새를 맡는 행위 등을 하여서는 절대 아니된다</a:t>
-            </a:r>
-            <a:r>
-              <a:rPr kumimoji="1" lang="en-US" altLang="ko-KR" dirty="0"/>
-              <a:t>.</a:t>
-            </a:r>
-            <a:br>
-              <a:rPr kumimoji="1" lang="en-US" altLang="ko-KR" dirty="0"/>
-            </a:br>
-            <a:r>
-              <a:rPr kumimoji="1" lang="ko-KR" altLang="en-US" dirty="0"/>
-              <a:t>즉</a:t>
-            </a:r>
-            <a:r>
-              <a:rPr kumimoji="1" lang="en-US" altLang="ko-KR" dirty="0"/>
-              <a:t>,</a:t>
-            </a:r>
-            <a:r>
-              <a:rPr kumimoji="1" lang="ko-KR" altLang="en-US" dirty="0"/>
-              <a:t> 밀폐된 공간에서 출력은 금한다</a:t>
-            </a:r>
-            <a:r>
-              <a:rPr kumimoji="1" lang="en-US" altLang="ko-KR" dirty="0"/>
-              <a:t>.</a:t>
-            </a:r>
-          </a:p>
-        </p:txBody>
-      </p:sp>
+          <p:cNvGrpSpPr/>
+          <p:nvPr/>
+        </p:nvGrpSpPr>
+        <p:grpSpPr>
+          <a:xfrm>
+            <a:off x="5054040" y="2294805"/>
+            <a:ext cx="5391221" cy="2259246"/>
+            <a:chOff x="5045247" y="1960684"/>
+            <a:chExt cx="5391221" cy="2259246"/>
+          </a:xfrm>
+        </p:grpSpPr>
+        <p:sp>
+          <p:nvSpPr>
+            <p:cNvPr id="4" name="TextBox 3">
+              <a:extLst>
+                <a:ext uri="{FF2B5EF4-FFF2-40B4-BE49-F238E27FC236}">
+                  <a16:creationId xmlns:a16="http://schemas.microsoft.com/office/drawing/2014/main" id="{03FE4CAB-CF81-4B41-BA27-7797C546A72F}"/>
+                </a:ext>
+              </a:extLst>
+            </p:cNvPr>
+            <p:cNvSpPr txBox="1"/>
+            <p:nvPr/>
+          </p:nvSpPr>
+          <p:spPr>
+            <a:xfrm>
+              <a:off x="5045247" y="1960684"/>
+              <a:ext cx="1689494" cy="553998"/>
+            </a:xfrm>
+            <a:prstGeom prst="rect">
+              <a:avLst/>
+            </a:prstGeom>
+            <a:noFill/>
+          </p:spPr>
+          <p:txBody>
+            <a:bodyPr wrap="square" rtlCol="0">
+              <a:spAutoFit/>
+            </a:bodyPr>
+            <a:lstStyle/>
+            <a:p>
+              <a:r>
+                <a:rPr kumimoji="1" lang="en-US" altLang="ko-KR" sz="3000" dirty="0"/>
+                <a:t>H: 35/0</a:t>
+              </a:r>
+              <a:endParaRPr kumimoji="1" lang="ko-KR" altLang="en-US" sz="3000" dirty="0"/>
+            </a:p>
+          </p:txBody>
+        </p:sp>
+        <p:sp>
+          <p:nvSpPr>
+            <p:cNvPr id="5" name="TextBox 4">
+              <a:extLst>
+                <a:ext uri="{FF2B5EF4-FFF2-40B4-BE49-F238E27FC236}">
+                  <a16:creationId xmlns:a16="http://schemas.microsoft.com/office/drawing/2014/main" id="{FD00B5D0-68F6-2449-A09E-08FC774D7870}"/>
+                </a:ext>
+              </a:extLst>
+            </p:cNvPr>
+            <p:cNvSpPr txBox="1"/>
+            <p:nvPr/>
+          </p:nvSpPr>
+          <p:spPr>
+            <a:xfrm>
+              <a:off x="9101929" y="1960684"/>
+              <a:ext cx="1334539" cy="553998"/>
+            </a:xfrm>
+            <a:prstGeom prst="rect">
+              <a:avLst/>
+            </a:prstGeom>
+            <a:noFill/>
+          </p:spPr>
+          <p:txBody>
+            <a:bodyPr wrap="square" rtlCol="0">
+              <a:spAutoFit/>
+            </a:bodyPr>
+            <a:lstStyle/>
+            <a:p>
+              <a:r>
+                <a:rPr kumimoji="1" lang="en-US" altLang="ko-KR" sz="3000" dirty="0"/>
+                <a:t>B: 35/0</a:t>
+              </a:r>
+              <a:endParaRPr kumimoji="1" lang="ko-KR" altLang="en-US" sz="3000" dirty="0"/>
+            </a:p>
+          </p:txBody>
+        </p:sp>
+        <p:sp>
+          <p:nvSpPr>
+            <p:cNvPr id="6" name="TextBox 5">
+              <a:extLst>
+                <a:ext uri="{FF2B5EF4-FFF2-40B4-BE49-F238E27FC236}">
+                  <a16:creationId xmlns:a16="http://schemas.microsoft.com/office/drawing/2014/main" id="{6319EB8B-73D9-2147-82CA-322A7208AF2C}"/>
+                </a:ext>
+              </a:extLst>
+            </p:cNvPr>
+            <p:cNvSpPr txBox="1"/>
+            <p:nvPr/>
+          </p:nvSpPr>
+          <p:spPr>
+            <a:xfrm>
+              <a:off x="5059471" y="2782387"/>
+              <a:ext cx="981796" cy="553998"/>
+            </a:xfrm>
+            <a:prstGeom prst="rect">
+              <a:avLst/>
+            </a:prstGeom>
+            <a:noFill/>
+          </p:spPr>
+          <p:txBody>
+            <a:bodyPr wrap="square" rtlCol="0">
+              <a:spAutoFit/>
+            </a:bodyPr>
+            <a:lstStyle/>
+            <a:p>
+              <a:r>
+                <a:rPr kumimoji="1" lang="en-US" altLang="ko-KR" sz="3000" dirty="0"/>
+                <a:t>X:???</a:t>
+              </a:r>
+              <a:endParaRPr kumimoji="1" lang="ko-KR" altLang="en-US" sz="3000" dirty="0"/>
+            </a:p>
+          </p:txBody>
+        </p:sp>
+        <p:sp>
+          <p:nvSpPr>
+            <p:cNvPr id="7" name="TextBox 6">
+              <a:extLst>
+                <a:ext uri="{FF2B5EF4-FFF2-40B4-BE49-F238E27FC236}">
+                  <a16:creationId xmlns:a16="http://schemas.microsoft.com/office/drawing/2014/main" id="{5D326849-9CA3-6844-88CA-AB4B33DB0316}"/>
+                </a:ext>
+              </a:extLst>
+            </p:cNvPr>
+            <p:cNvSpPr txBox="1"/>
+            <p:nvPr/>
+          </p:nvSpPr>
+          <p:spPr>
+            <a:xfrm>
+              <a:off x="7249959" y="2782387"/>
+              <a:ext cx="981796" cy="553998"/>
+            </a:xfrm>
+            <a:prstGeom prst="rect">
+              <a:avLst/>
+            </a:prstGeom>
+            <a:noFill/>
+          </p:spPr>
+          <p:txBody>
+            <a:bodyPr wrap="square" rtlCol="0">
+              <a:spAutoFit/>
+            </a:bodyPr>
+            <a:lstStyle/>
+            <a:p>
+              <a:r>
+                <a:rPr kumimoji="1" lang="en-US" altLang="ko-KR" sz="3000" dirty="0"/>
+                <a:t>Y:???</a:t>
+              </a:r>
+              <a:endParaRPr kumimoji="1" lang="ko-KR" altLang="en-US" sz="3000" dirty="0"/>
+            </a:p>
+          </p:txBody>
+        </p:sp>
+        <p:sp>
+          <p:nvSpPr>
+            <p:cNvPr id="8" name="TextBox 7">
+              <a:extLst>
+                <a:ext uri="{FF2B5EF4-FFF2-40B4-BE49-F238E27FC236}">
+                  <a16:creationId xmlns:a16="http://schemas.microsoft.com/office/drawing/2014/main" id="{0DB0BAFE-FB08-754D-B839-7195E2E887AE}"/>
+                </a:ext>
+              </a:extLst>
+            </p:cNvPr>
+            <p:cNvSpPr txBox="1"/>
+            <p:nvPr/>
+          </p:nvSpPr>
+          <p:spPr>
+            <a:xfrm>
+              <a:off x="9101929" y="2782387"/>
+              <a:ext cx="981796" cy="553998"/>
+            </a:xfrm>
+            <a:prstGeom prst="rect">
+              <a:avLst/>
+            </a:prstGeom>
+            <a:noFill/>
+          </p:spPr>
+          <p:txBody>
+            <a:bodyPr wrap="square" rtlCol="0">
+              <a:spAutoFit/>
+            </a:bodyPr>
+            <a:lstStyle/>
+            <a:p>
+              <a:r>
+                <a:rPr kumimoji="1" lang="en-US" altLang="ko-KR" sz="3000" dirty="0"/>
+                <a:t>Z:???</a:t>
+              </a:r>
+              <a:endParaRPr kumimoji="1" lang="ko-KR" altLang="en-US" sz="3000" dirty="0"/>
+            </a:p>
+          </p:txBody>
+        </p:sp>
+        <p:sp>
+          <p:nvSpPr>
+            <p:cNvPr id="9" name="TextBox 8">
+              <a:extLst>
+                <a:ext uri="{FF2B5EF4-FFF2-40B4-BE49-F238E27FC236}">
+                  <a16:creationId xmlns:a16="http://schemas.microsoft.com/office/drawing/2014/main" id="{B47FB7AF-67F0-E84E-ACC5-6F5E2EFEEA59}"/>
+                </a:ext>
+              </a:extLst>
+            </p:cNvPr>
+            <p:cNvSpPr txBox="1"/>
+            <p:nvPr/>
+          </p:nvSpPr>
+          <p:spPr>
+            <a:xfrm>
+              <a:off x="5045247" y="3665932"/>
+              <a:ext cx="5391221" cy="553998"/>
+            </a:xfrm>
+            <a:prstGeom prst="rect">
+              <a:avLst/>
+            </a:prstGeom>
+            <a:noFill/>
+          </p:spPr>
+          <p:txBody>
+            <a:bodyPr wrap="square" rtlCol="0">
+              <a:spAutoFit/>
+            </a:bodyPr>
+            <a:lstStyle/>
+            <a:p>
+              <a:r>
+                <a:rPr kumimoji="1" lang="ko-KR" altLang="en-US" sz="3000" dirty="0"/>
+                <a:t>”</a:t>
+              </a:r>
+              <a:r>
+                <a:rPr kumimoji="1" lang="en-US" altLang="ko-KR" sz="3000" dirty="0"/>
+                <a:t>Printer Name” Ready to print.</a:t>
+              </a:r>
+              <a:endParaRPr kumimoji="1" lang="ko-KR" altLang="en-US" sz="3000" dirty="0"/>
+            </a:p>
+          </p:txBody>
+        </p:sp>
+      </p:grpSp>
     </p:spTree>
     <p:extLst>
       <p:ext uri="{BB962C8B-B14F-4D97-AF65-F5344CB8AC3E}">
-        <p14:creationId xmlns:p14="http://schemas.microsoft.com/office/powerpoint/2010/main" val="2506888962"/>
+        <p14:creationId xmlns:p14="http://schemas.microsoft.com/office/powerpoint/2010/main" val="3370982019"/>
       </p:ext>
     </p:extLst>
   </p:cSld>
@@ -5697,18 +5310,30 @@
             <a:pPr algn="ctr"/>
             <a:r>
               <a:rPr kumimoji="1" lang="ko-KR" altLang="en-US" dirty="0"/>
-              <a:t>주의사항</a:t>
-            </a:r>
-            <a:r>
-              <a:rPr kumimoji="1" lang="en-US" altLang="ko-KR" dirty="0"/>
-              <a:t>!</a:t>
+              <a:t>메뉴 분석</a:t>
             </a:r>
             <a:br>
               <a:rPr kumimoji="1" lang="en-US" altLang="ko-KR" dirty="0"/>
             </a:br>
             <a:r>
-              <a:rPr kumimoji="1" lang="en-US" altLang="ko-KR" sz="2000" dirty="0"/>
-              <a:t>(Most important)</a:t>
+              <a:rPr kumimoji="1" lang="en-US" altLang="ko-KR" dirty="0"/>
+              <a:t>(Main</a:t>
+            </a:r>
+            <a:r>
+              <a:rPr kumimoji="1" lang="ko-KR" altLang="en-US" dirty="0"/>
+              <a:t> </a:t>
+            </a:r>
+            <a:r>
+              <a:rPr kumimoji="1" lang="en-US" altLang="ko-KR" dirty="0"/>
+              <a:t>-</a:t>
+            </a:r>
+            <a:r>
+              <a:rPr kumimoji="1" lang="ko-KR" altLang="en-US" dirty="0"/>
+              <a:t> 형태</a:t>
+            </a:r>
+            <a:r>
+              <a:rPr kumimoji="1" lang="en-US" altLang="ko-KR" dirty="0"/>
+              <a:t>)</a:t>
             </a:r>
             <a:endParaRPr kumimoji="1" lang="ko-KR" altLang="en-US" sz="2000" dirty="0"/>
           </a:p>
@@ -5716,10 +5341,10 @@
       </p:sp>
       <p:sp>
         <p:nvSpPr>
-          <p:cNvPr id="3" name="내용 개체 틀 2">
+          <p:cNvPr id="11" name="내용 개체 틀 2">
             <a:extLst>
               <a:ext uri="{FF2B5EF4-FFF2-40B4-BE49-F238E27FC236}">
-                <a16:creationId xmlns:a16="http://schemas.microsoft.com/office/drawing/2014/main" id="{F76159AB-0E8F-0549-97CB-A1DD2B92F485}"/>
+                <a16:creationId xmlns:a16="http://schemas.microsoft.com/office/drawing/2014/main" id="{05B5C52F-66B7-DF46-9731-7A3B87D909A3}"/>
               </a:ext>
             </a:extLst>
           </p:cNvPr>
@@ -5730,11 +5355,14 @@
             <p:ph idx="1"/>
           </p:nvPr>
         </p:nvSpPr>
-        <p:spPr/>
-        <p:txBody>
-          <a:bodyPr>
-            <a:normAutofit lnSpcReduction="10000"/>
-          </a:bodyPr>
+        <p:spPr>
+          <a:xfrm>
+            <a:off x="3869268" y="864108"/>
+            <a:ext cx="7315200" cy="5120640"/>
+          </a:xfrm>
+        </p:spPr>
+        <p:txBody>
+          <a:bodyPr/>
           <a:lstStyle/>
           <a:p>
             <a:pPr>
@@ -5744,28 +5372,41 @@
             </a:pPr>
             <a:r>
               <a:rPr kumimoji="1" lang="en-US" altLang="ko-KR" dirty="0"/>
-              <a:t>8. RepRap</a:t>
+              <a:t>1. </a:t>
             </a:r>
             <a:r>
               <a:rPr kumimoji="1" lang="ko-KR" altLang="en-US" dirty="0"/>
-              <a:t>기반 혹은 자작 프린터 같은 경우는 정전기에 </a:t>
-            </a:r>
-            <a:r>
-              <a:rPr kumimoji="1" lang="ko-KR" altLang="en-US" b="1" u="sng" dirty="0">
-                <a:solidFill>
-                  <a:srgbClr val="FF0000"/>
-                </a:solidFill>
-              </a:rPr>
-              <a:t>매우 취약하므로</a:t>
+              <a:t>노즐</a:t>
+            </a:r>
+            <a:r>
+              <a:rPr kumimoji="1" lang="en-US" altLang="ko-KR" dirty="0"/>
+              <a:t>/</a:t>
             </a:r>
             <a:r>
               <a:rPr kumimoji="1" lang="ko-KR" altLang="en-US" dirty="0"/>
-              <a:t> 항상 조심한다</a:t>
+              <a:t>베드</a:t>
             </a:r>
             <a:r>
               <a:rPr kumimoji="1" lang="en-US" altLang="ko-KR" dirty="0"/>
-              <a:t>.</a:t>
-            </a:r>
+              <a:t>:</a:t>
+            </a:r>
+            <a:r>
+              <a:rPr kumimoji="1" lang="ko-KR" altLang="en-US" dirty="0"/>
+              <a:t> </a:t>
+            </a:r>
+            <a:r>
+              <a:rPr kumimoji="1" lang="ko-KR" altLang="en-US" dirty="0" err="1"/>
+              <a:t>현재온도</a:t>
+            </a:r>
+            <a:r>
+              <a:rPr kumimoji="1" lang="en-US" altLang="ko-KR" dirty="0"/>
+              <a:t>/</a:t>
+            </a:r>
+            <a:r>
+              <a:rPr kumimoji="1" lang="ko-KR" altLang="en-US" dirty="0"/>
+              <a:t>타겟 온도</a:t>
+            </a:r>
+            <a:endParaRPr kumimoji="1" lang="en-US" altLang="ko-KR" dirty="0"/>
           </a:p>
           <a:p>
             <a:pPr>
@@ -5775,31 +5416,51 @@
             </a:pPr>
             <a:r>
               <a:rPr kumimoji="1" lang="en-US" altLang="ko-KR" dirty="0"/>
-              <a:t>9.</a:t>
+              <a:t>2. </a:t>
             </a:r>
             <a:r>
               <a:rPr kumimoji="1" lang="ko-KR" altLang="en-US" dirty="0"/>
-              <a:t> 프린터가 </a:t>
+              <a:t>현재 </a:t>
+            </a:r>
+            <a:r>
+              <a:rPr kumimoji="1" lang="en-US" altLang="ko-KR" dirty="0"/>
+              <a:t>X/Y/Z</a:t>
+            </a:r>
+            <a:r>
+              <a:rPr kumimoji="1" lang="ko-KR" altLang="en-US" dirty="0"/>
+              <a:t> 위치</a:t>
+            </a:r>
+            <a:r>
+              <a:rPr kumimoji="1" lang="en-US" altLang="ko-KR" dirty="0"/>
+              <a:t>:</a:t>
+            </a:r>
+            <a:r>
+              <a:rPr kumimoji="1" lang="ko-KR" altLang="en-US" dirty="0"/>
+              <a:t> </a:t>
+            </a:r>
+            <a:r>
+              <a:rPr kumimoji="1" lang="en-US" altLang="ko-KR" dirty="0"/>
+              <a:t>???</a:t>
             </a:r>
             <a:r>
               <a:rPr kumimoji="1" lang="ko-KR" altLang="en-US" dirty="0" err="1"/>
-              <a:t>작동중일때</a:t>
-            </a:r>
-            <a:r>
-              <a:rPr kumimoji="1" lang="en-US" altLang="ko-KR" dirty="0"/>
-              <a:t>(</a:t>
+              <a:t>일때는</a:t>
             </a:r>
             <a:r>
               <a:rPr kumimoji="1" lang="ko-KR" altLang="en-US" dirty="0"/>
-              <a:t>전원만 켜졌을 때 포함</a:t>
-            </a:r>
-            <a:r>
-              <a:rPr kumimoji="1" lang="en-US" altLang="ko-KR" dirty="0"/>
-              <a:t>)</a:t>
+              <a:t> </a:t>
+            </a:r>
+            <a:r>
+              <a:rPr kumimoji="1" lang="ko-KR" altLang="en-US" dirty="0" err="1"/>
+              <a:t>스테퍼가</a:t>
             </a:r>
             <a:r>
               <a:rPr kumimoji="1" lang="ko-KR" altLang="en-US" dirty="0"/>
-              <a:t> 절대</a:t>
+              <a:t> </a:t>
+            </a:r>
+            <a:r>
+              <a:rPr kumimoji="1" lang="ko-KR" altLang="en-US" dirty="0" err="1"/>
+              <a:t>꺼져있거나</a:t>
             </a:r>
             <a:r>
               <a:rPr kumimoji="1" lang="en-US" altLang="ko-KR" dirty="0"/>
@@ -5807,103 +5468,17 @@
             </a:r>
             <a:r>
               <a:rPr kumimoji="1" lang="ko-KR" altLang="en-US" dirty="0"/>
-              <a:t> 절대 내부 전자기기</a:t>
+              <a:t> </a:t>
             </a:r>
             <a:r>
               <a:rPr kumimoji="1" lang="en-US" altLang="ko-KR" dirty="0"/>
-              <a:t>(</a:t>
-            </a:r>
-            <a:r>
-              <a:rPr kumimoji="1" lang="en-US" altLang="ko-KR" dirty="0" err="1"/>
-              <a:t>eg</a:t>
-            </a:r>
-            <a:r>
-              <a:rPr kumimoji="1" lang="en-US" altLang="ko-KR" dirty="0"/>
-              <a:t>: M/B, </a:t>
-            </a:r>
-            <a:r>
-              <a:rPr kumimoji="1" lang="en-US" altLang="ko-KR" dirty="0" err="1"/>
-              <a:t>StepDriver</a:t>
-            </a:r>
-            <a:r>
-              <a:rPr kumimoji="1" lang="en-US" altLang="ko-KR" dirty="0"/>
-              <a:t>, Connectors)</a:t>
+              <a:t>Home</a:t>
             </a:r>
             <a:r>
               <a:rPr kumimoji="1" lang="ko-KR" altLang="en-US" dirty="0"/>
-              <a:t>에 손대지 않는다</a:t>
-            </a:r>
-            <a:r>
-              <a:rPr kumimoji="1" lang="en-US" altLang="ko-KR" dirty="0"/>
-              <a:t>.</a:t>
-            </a:r>
-            <a:br>
-              <a:rPr kumimoji="1" lang="en-US" altLang="ko-KR" dirty="0"/>
-            </a:br>
-            <a:r>
-              <a:rPr kumimoji="1" lang="ko-KR" altLang="en-US" dirty="0"/>
-              <a:t>부득이하게 손 </a:t>
-            </a:r>
-            <a:r>
-              <a:rPr kumimoji="1" lang="ko-KR" altLang="en-US" dirty="0" err="1"/>
-              <a:t>대야할</a:t>
-            </a:r>
-            <a:r>
-              <a:rPr kumimoji="1" lang="ko-KR" altLang="en-US" dirty="0"/>
-              <a:t> 경우</a:t>
-            </a:r>
-            <a:r>
-              <a:rPr kumimoji="1" lang="en-US" altLang="ko-KR" dirty="0"/>
-              <a:t>,</a:t>
-            </a:r>
-            <a:r>
-              <a:rPr kumimoji="1" lang="ko-KR" altLang="en-US" dirty="0"/>
-              <a:t> </a:t>
-            </a:r>
-            <a:r>
-              <a:rPr kumimoji="1" lang="en-US" altLang="ko-KR" dirty="0"/>
-              <a:t>“</a:t>
-            </a:r>
-            <a:r>
-              <a:rPr kumimoji="1" lang="ko-KR" altLang="en-US" dirty="0"/>
-              <a:t>자신이 무엇을 하는지</a:t>
-            </a:r>
-            <a:r>
-              <a:rPr kumimoji="1" lang="en-US" altLang="ko-KR" dirty="0"/>
-              <a:t>”</a:t>
-            </a:r>
-            <a:r>
-              <a:rPr kumimoji="1" lang="ko-KR" altLang="en-US" dirty="0"/>
-              <a:t> 정확히 파악하고</a:t>
-            </a:r>
-            <a:r>
-              <a:rPr kumimoji="1" lang="en-US" altLang="ko-KR" dirty="0"/>
-              <a:t>,</a:t>
-            </a:r>
-            <a:r>
-              <a:rPr kumimoji="1" lang="ko-KR" altLang="en-US" dirty="0"/>
-              <a:t> 최악의 상황을 대비해 안전 계획을 세우고</a:t>
-            </a:r>
-            <a:r>
-              <a:rPr kumimoji="1" lang="en-US" altLang="ko-KR" dirty="0"/>
-              <a:t>,</a:t>
-            </a:r>
-            <a:r>
-              <a:rPr kumimoji="1" lang="ko-KR" altLang="en-US" dirty="0"/>
-              <a:t> 장갑 등 </a:t>
-            </a:r>
-            <a:r>
-              <a:rPr kumimoji="1" lang="ko-KR" altLang="en-US" dirty="0" err="1"/>
-              <a:t>안전설비를</a:t>
-            </a:r>
-            <a:r>
-              <a:rPr kumimoji="1" lang="ko-KR" altLang="en-US" dirty="0"/>
-              <a:t> 갖춘 후 진행한다</a:t>
-            </a:r>
-            <a:r>
-              <a:rPr kumimoji="1" lang="en-US" altLang="ko-KR" dirty="0"/>
-              <a:t>.</a:t>
-            </a:r>
+              <a:t>안된 상태</a:t>
+            </a:r>
+            <a:endParaRPr kumimoji="1" lang="en-US" altLang="ko-KR" dirty="0"/>
           </a:p>
           <a:p>
             <a:pPr>
@@ -5913,19 +5488,19 @@
             </a:pPr>
             <a:r>
               <a:rPr kumimoji="1" lang="en-US" altLang="ko-KR" dirty="0"/>
-              <a:t>10.</a:t>
+              <a:t>3.</a:t>
             </a:r>
             <a:r>
               <a:rPr kumimoji="1" lang="ko-KR" altLang="en-US" dirty="0"/>
-              <a:t> 전기</a:t>
+              <a:t> 잡다한 텍스트</a:t>
             </a:r>
             <a:r>
               <a:rPr kumimoji="1" lang="en-US" altLang="ko-KR" dirty="0"/>
-              <a:t>/</a:t>
+              <a:t>:</a:t>
             </a:r>
             <a:r>
               <a:rPr kumimoji="1" lang="ko-KR" altLang="en-US" dirty="0"/>
-              <a:t>전자 문제가 발생했을 경우에는 신속히 메인 전원</a:t>
+              <a:t> 프린터에 대한 정보</a:t>
             </a:r>
             <a:r>
               <a:rPr kumimoji="1" lang="en-US" altLang="ko-KR" dirty="0"/>
@@ -5933,83 +5508,11 @@
             </a:r>
             <a:r>
               <a:rPr kumimoji="1" lang="ko-KR" altLang="en-US" dirty="0"/>
-              <a:t>차단기</a:t>
+              <a:t>그렇게 유용하지는 못함</a:t>
             </a:r>
             <a:r>
               <a:rPr kumimoji="1" lang="en-US" altLang="ko-KR" dirty="0"/>
               <a:t>)</a:t>
-            </a:r>
-            <a:r>
-              <a:rPr kumimoji="1" lang="ko-KR" altLang="en-US" dirty="0"/>
-              <a:t>로 전원을 차단하고</a:t>
-            </a:r>
-            <a:r>
-              <a:rPr kumimoji="1" lang="en-US" altLang="ko-KR" dirty="0"/>
-              <a:t>,</a:t>
-            </a:r>
-            <a:r>
-              <a:rPr kumimoji="1" lang="ko-KR" altLang="en-US" dirty="0"/>
-              <a:t> 부득이하게 메인 전원이 차단 불가능하면 콘센트의 전원부터 끈다</a:t>
-            </a:r>
-            <a:r>
-              <a:rPr kumimoji="1" lang="en-US" altLang="ko-KR" dirty="0"/>
-              <a:t>.</a:t>
-            </a:r>
-            <a:r>
-              <a:rPr kumimoji="1" lang="ko-KR" altLang="en-US" dirty="0"/>
-              <a:t> 단</a:t>
-            </a:r>
-            <a:r>
-              <a:rPr kumimoji="1" lang="en-US" altLang="ko-KR" dirty="0"/>
-              <a:t>,</a:t>
-            </a:r>
-            <a:r>
-              <a:rPr kumimoji="1" lang="ko-KR" altLang="en-US" dirty="0"/>
-              <a:t> 고압의 전류 및 </a:t>
-            </a:r>
-            <a:r>
-              <a:rPr kumimoji="1" lang="en-US" altLang="ko-KR" dirty="0"/>
-              <a:t>AC</a:t>
-            </a:r>
-            <a:r>
-              <a:rPr kumimoji="1" lang="ko-KR" altLang="en-US" dirty="0"/>
-              <a:t>전원이 </a:t>
-            </a:r>
-            <a:r>
-              <a:rPr kumimoji="1" lang="ko-KR" altLang="en-US" b="1" u="sng" dirty="0">
-                <a:solidFill>
-                  <a:srgbClr val="FF0000"/>
-                </a:solidFill>
-              </a:rPr>
-              <a:t>셀 수 있으니 </a:t>
-            </a:r>
-            <a:r>
-              <a:rPr kumimoji="1" lang="ko-KR" altLang="en-US" dirty="0"/>
-              <a:t>이 작업을 할 때는 </a:t>
-            </a:r>
-            <a:r>
-              <a:rPr kumimoji="1" lang="ko-KR" altLang="en-US" dirty="0" err="1"/>
-              <a:t>절연장갑을</a:t>
-            </a:r>
-            <a:r>
-              <a:rPr kumimoji="1" lang="ko-KR" altLang="en-US" dirty="0"/>
-              <a:t> </a:t>
-            </a:r>
-            <a:r>
-              <a:rPr kumimoji="1" lang="ko-KR" altLang="en-US" b="1" u="sng" dirty="0">
-                <a:solidFill>
-                  <a:srgbClr val="FF0000"/>
-                </a:solidFill>
-              </a:rPr>
-              <a:t>무조건</a:t>
-            </a:r>
-            <a:r>
-              <a:rPr kumimoji="1" lang="ko-KR" altLang="en-US" dirty="0"/>
-              <a:t> 착용한다</a:t>
-            </a:r>
-            <a:r>
-              <a:rPr kumimoji="1" lang="en-US" altLang="ko-KR" dirty="0"/>
-              <a:t>.</a:t>
             </a:r>
           </a:p>
         </p:txBody>
@@ -6017,7 +5520,7 @@
     </p:spTree>
     <p:extLst>
       <p:ext uri="{BB962C8B-B14F-4D97-AF65-F5344CB8AC3E}">
-        <p14:creationId xmlns:p14="http://schemas.microsoft.com/office/powerpoint/2010/main" val="3287486949"/>
+        <p14:creationId xmlns:p14="http://schemas.microsoft.com/office/powerpoint/2010/main" val="149775044"/>
       </p:ext>
     </p:extLst>
   </p:cSld>
@@ -6028,592 +5531,6 @@
 </file>
 
 <file path=ppt/slides/slide6.xml><?xml version="1.0" encoding="utf-8"?>
-<p:sld xmlns:a="http://schemas.openxmlformats.org/drawingml/2006/main" xmlns:r="http://schemas.openxmlformats.org/officeDocument/2006/relationships" xmlns:p="http://schemas.openxmlformats.org/presentationml/2006/main">
-  <p:cSld>
-    <p:spTree>
-      <p:nvGrpSpPr>
-        <p:cNvPr id="1" name=""/>
-        <p:cNvGrpSpPr/>
-        <p:nvPr/>
-      </p:nvGrpSpPr>
-      <p:grpSpPr>
-        <a:xfrm>
-          <a:off x="0" y="0"/>
-          <a:ext cx="0" cy="0"/>
-          <a:chOff x="0" y="0"/>
-          <a:chExt cx="0" cy="0"/>
-        </a:xfrm>
-      </p:grpSpPr>
-      <p:sp>
-        <p:nvSpPr>
-          <p:cNvPr id="2" name="제목 1">
-            <a:extLst>
-              <a:ext uri="{FF2B5EF4-FFF2-40B4-BE49-F238E27FC236}">
-                <a16:creationId xmlns:a16="http://schemas.microsoft.com/office/drawing/2014/main" id="{7E906C8A-FC39-7A44-BEBF-36FCC3DE560C}"/>
-              </a:ext>
-            </a:extLst>
-          </p:cNvPr>
-          <p:cNvSpPr>
-            <a:spLocks noGrp="1"/>
-          </p:cNvSpPr>
-          <p:nvPr>
-            <p:ph type="title"/>
-          </p:nvPr>
-        </p:nvSpPr>
-        <p:spPr>
-          <a:xfrm>
-            <a:off x="252919" y="1123837"/>
-            <a:ext cx="2947482" cy="4601183"/>
-          </a:xfrm>
-        </p:spPr>
-        <p:txBody>
-          <a:bodyPr/>
-          <a:lstStyle/>
-          <a:p>
-            <a:pPr algn="ctr"/>
-            <a:r>
-              <a:rPr kumimoji="1" lang="ko-KR" altLang="en-US" dirty="0"/>
-              <a:t>주의사항</a:t>
-            </a:r>
-            <a:r>
-              <a:rPr kumimoji="1" lang="en-US" altLang="ko-KR" dirty="0"/>
-              <a:t>!</a:t>
-            </a:r>
-            <a:br>
-              <a:rPr kumimoji="1" lang="en-US" altLang="ko-KR" dirty="0"/>
-            </a:br>
-            <a:r>
-              <a:rPr kumimoji="1" lang="en-US" altLang="ko-KR" sz="2000" dirty="0"/>
-              <a:t>(Most important)</a:t>
-            </a:r>
-            <a:endParaRPr kumimoji="1" lang="ko-KR" altLang="en-US" sz="2000" dirty="0"/>
-          </a:p>
-        </p:txBody>
-      </p:sp>
-      <p:sp>
-        <p:nvSpPr>
-          <p:cNvPr id="3" name="내용 개체 틀 2">
-            <a:extLst>
-              <a:ext uri="{FF2B5EF4-FFF2-40B4-BE49-F238E27FC236}">
-                <a16:creationId xmlns:a16="http://schemas.microsoft.com/office/drawing/2014/main" id="{F76159AB-0E8F-0549-97CB-A1DD2B92F485}"/>
-              </a:ext>
-            </a:extLst>
-          </p:cNvPr>
-          <p:cNvSpPr>
-            <a:spLocks noGrp="1"/>
-          </p:cNvSpPr>
-          <p:nvPr>
-            <p:ph idx="1"/>
-          </p:nvPr>
-        </p:nvSpPr>
-        <p:spPr/>
-        <p:txBody>
-          <a:bodyPr>
-            <a:normAutofit fontScale="92500" lnSpcReduction="20000"/>
-          </a:bodyPr>
-          <a:lstStyle/>
-          <a:p>
-            <a:pPr>
-              <a:lnSpc>
-                <a:spcPct val="150000"/>
-              </a:lnSpc>
-            </a:pPr>
-            <a:r>
-              <a:rPr kumimoji="1" lang="en-US" altLang="ko-KR" dirty="0"/>
-              <a:t>11.</a:t>
-            </a:r>
-            <a:r>
-              <a:rPr kumimoji="1" lang="ko-KR" altLang="en-US" dirty="0"/>
-              <a:t> 문제가 발생했을 경우</a:t>
-            </a:r>
-            <a:r>
-              <a:rPr kumimoji="1" lang="en-US" altLang="ko-KR" dirty="0"/>
-              <a:t>,</a:t>
-            </a:r>
-            <a:r>
-              <a:rPr kumimoji="1" lang="ko-KR" altLang="en-US" dirty="0"/>
-              <a:t> 신속히 프린터 관리자 혹은 내부 관리자</a:t>
-            </a:r>
-            <a:r>
-              <a:rPr kumimoji="1" lang="en-US" altLang="ko-KR" dirty="0"/>
-              <a:t>(Inner Supervisor)</a:t>
-            </a:r>
-            <a:r>
-              <a:rPr kumimoji="1" lang="ko-KR" altLang="en-US" dirty="0"/>
-              <a:t>에 </a:t>
-            </a:r>
-            <a:r>
-              <a:rPr kumimoji="1" lang="ko-KR" altLang="en-US" b="1" dirty="0">
-                <a:solidFill>
-                  <a:srgbClr val="FF0000"/>
-                </a:solidFill>
-              </a:rPr>
-              <a:t>즉시</a:t>
-            </a:r>
-            <a:r>
-              <a:rPr kumimoji="1" lang="ko-KR" altLang="en-US" dirty="0"/>
-              <a:t> 보고하고</a:t>
-            </a:r>
-            <a:r>
-              <a:rPr kumimoji="1" lang="en-US" altLang="ko-KR" dirty="0"/>
-              <a:t>,</a:t>
-            </a:r>
-            <a:r>
-              <a:rPr kumimoji="1" lang="ko-KR" altLang="en-US" dirty="0"/>
-              <a:t> 이에 따른 적절한 안전 조치를 받는다</a:t>
-            </a:r>
-            <a:r>
-              <a:rPr kumimoji="1" lang="en-US" altLang="ko-KR" dirty="0"/>
-              <a:t>.</a:t>
-            </a:r>
-          </a:p>
-          <a:p>
-            <a:pPr>
-              <a:lnSpc>
-                <a:spcPct val="150000"/>
-              </a:lnSpc>
-            </a:pPr>
-            <a:r>
-              <a:rPr kumimoji="1" lang="en-US" altLang="ko-KR" dirty="0"/>
-              <a:t>12.</a:t>
-            </a:r>
-            <a:r>
-              <a:rPr kumimoji="1" lang="ko-KR" altLang="en-US" dirty="0"/>
-              <a:t> 모든 안전 조치는 전원 차단 등</a:t>
-            </a:r>
-            <a:r>
-              <a:rPr kumimoji="1" lang="en-US" altLang="ko-KR" dirty="0"/>
-              <a:t>,</a:t>
-            </a:r>
-            <a:r>
-              <a:rPr kumimoji="1" lang="ko-KR" altLang="en-US" dirty="0"/>
-              <a:t> </a:t>
-            </a:r>
-            <a:r>
-              <a:rPr kumimoji="1" lang="en-US" altLang="ko-KR" dirty="0"/>
-              <a:t>“</a:t>
-            </a:r>
-            <a:r>
-              <a:rPr kumimoji="1" lang="ko-KR" altLang="en-US" dirty="0"/>
-              <a:t>외부로부터 차단</a:t>
-            </a:r>
-            <a:r>
-              <a:rPr kumimoji="1" lang="en-US" altLang="ko-KR" dirty="0"/>
-              <a:t>”</a:t>
-            </a:r>
-            <a:r>
-              <a:rPr kumimoji="1" lang="ko-KR" altLang="en-US" dirty="0"/>
-              <a:t>에 중점을 두어야 하며</a:t>
-            </a:r>
-            <a:r>
-              <a:rPr kumimoji="1" lang="en-US" altLang="ko-KR" dirty="0"/>
-              <a:t>,</a:t>
-            </a:r>
-            <a:r>
-              <a:rPr kumimoji="1" lang="ko-KR" altLang="en-US" dirty="0"/>
-              <a:t> </a:t>
-            </a:r>
-            <a:r>
-              <a:rPr kumimoji="1" lang="ko-KR" altLang="en-US" b="1" dirty="0">
-                <a:solidFill>
-                  <a:srgbClr val="FF0000"/>
-                </a:solidFill>
-              </a:rPr>
-              <a:t>전문적인 지식 없이는 함부로 프린터 전기</a:t>
-            </a:r>
-            <a:r>
-              <a:rPr kumimoji="1" lang="en-US" altLang="ko-KR" b="1" dirty="0">
-                <a:solidFill>
-                  <a:srgbClr val="FF0000"/>
-                </a:solidFill>
-              </a:rPr>
-              <a:t>/</a:t>
-            </a:r>
-            <a:r>
-              <a:rPr kumimoji="1" lang="ko-KR" altLang="en-US" b="1" dirty="0">
-                <a:solidFill>
-                  <a:srgbClr val="FF0000"/>
-                </a:solidFill>
-              </a:rPr>
-              <a:t>전자 내부를 조작하거나 만지면 절대 아니된다</a:t>
-            </a:r>
-            <a:r>
-              <a:rPr kumimoji="1" lang="en-US" altLang="ko-KR" b="1" dirty="0">
-                <a:solidFill>
-                  <a:srgbClr val="FF0000"/>
-                </a:solidFill>
-              </a:rPr>
-              <a:t>.</a:t>
-            </a:r>
-          </a:p>
-          <a:p>
-            <a:pPr>
-              <a:lnSpc>
-                <a:spcPct val="150000"/>
-              </a:lnSpc>
-            </a:pPr>
-            <a:r>
-              <a:rPr kumimoji="1" lang="en-US" altLang="ko-KR" dirty="0"/>
-              <a:t>13.</a:t>
-            </a:r>
-            <a:r>
-              <a:rPr kumimoji="1" lang="ko-KR" altLang="en-US" dirty="0"/>
-              <a:t> 안전 문제가 발생할 때는</a:t>
-            </a:r>
-            <a:r>
-              <a:rPr kumimoji="1" lang="en-US" altLang="ko-KR" dirty="0"/>
-              <a:t>,</a:t>
-            </a:r>
-            <a:r>
-              <a:rPr kumimoji="1" lang="ko-KR" altLang="en-US" dirty="0"/>
-              <a:t> 심각한 경우 </a:t>
-            </a:r>
-            <a:r>
-              <a:rPr kumimoji="1" lang="ko-KR" altLang="en-US" b="1" u="sng" dirty="0">
-                <a:solidFill>
-                  <a:srgbClr val="FF0000"/>
-                </a:solidFill>
-              </a:rPr>
-              <a:t>인명 피해 및 재산 피해</a:t>
-            </a:r>
-            <a:r>
-              <a:rPr kumimoji="1" lang="ko-KR" altLang="en-US" dirty="0"/>
-              <a:t>가 상황에 따라 </a:t>
-            </a:r>
-            <a:r>
-              <a:rPr kumimoji="1" lang="ko-KR" altLang="en-US" b="1" u="sng" dirty="0">
-                <a:solidFill>
-                  <a:srgbClr val="FF0000"/>
-                </a:solidFill>
-              </a:rPr>
-              <a:t>막대하게 입을 수 있으므로</a:t>
-            </a:r>
-            <a:r>
-              <a:rPr kumimoji="1" lang="en-US" altLang="ko-KR" dirty="0"/>
-              <a:t>,</a:t>
-            </a:r>
-            <a:r>
-              <a:rPr kumimoji="1" lang="ko-KR" altLang="en-US" dirty="0"/>
-              <a:t> 작은 문제라도 예방과 원인 분석을 위해 발생 시각 및 원인 분석 및 결과를 기록하고 영구 보관한다</a:t>
-            </a:r>
-            <a:r>
-              <a:rPr kumimoji="1" lang="en-US" altLang="ko-KR" dirty="0"/>
-              <a:t>.</a:t>
-            </a:r>
-            <a:br>
-              <a:rPr kumimoji="1" lang="en-US" altLang="ko-KR" dirty="0"/>
-            </a:br>
-            <a:r>
-              <a:rPr kumimoji="1" lang="ko-KR" altLang="en-US" dirty="0"/>
-              <a:t>차후 재산 및 인명피해가 심각할 경우</a:t>
-            </a:r>
-            <a:r>
-              <a:rPr kumimoji="1" lang="en-US" altLang="ko-KR" dirty="0"/>
-              <a:t>,</a:t>
-            </a:r>
-            <a:r>
-              <a:rPr kumimoji="1" lang="ko-KR" altLang="en-US" dirty="0"/>
-              <a:t> </a:t>
-            </a:r>
-            <a:r>
-              <a:rPr kumimoji="1" lang="ko-KR" altLang="en-US" b="1" u="sng" dirty="0">
-                <a:solidFill>
-                  <a:srgbClr val="FF0000"/>
-                </a:solidFill>
-              </a:rPr>
-              <a:t>경찰 조사자료 및 참고자료로 쓰일 수 있으니 필히 작성하고 보관한다</a:t>
-            </a:r>
-            <a:r>
-              <a:rPr kumimoji="1" lang="en-US" altLang="ko-KR" b="1" u="sng" dirty="0">
-                <a:solidFill>
-                  <a:srgbClr val="FF0000"/>
-                </a:solidFill>
-              </a:rPr>
-              <a:t>.</a:t>
-            </a:r>
-          </a:p>
-        </p:txBody>
-      </p:sp>
-    </p:spTree>
-    <p:extLst>
-      <p:ext uri="{BB962C8B-B14F-4D97-AF65-F5344CB8AC3E}">
-        <p14:creationId xmlns:p14="http://schemas.microsoft.com/office/powerpoint/2010/main" val="3121449834"/>
-      </p:ext>
-    </p:extLst>
-  </p:cSld>
-  <p:clrMapOvr>
-    <a:masterClrMapping/>
-  </p:clrMapOvr>
-</p:sld>
-</file>
-
-<file path=ppt/slides/slide7.xml><?xml version="1.0" encoding="utf-8"?>
-<p:sld xmlns:a="http://schemas.openxmlformats.org/drawingml/2006/main" xmlns:r="http://schemas.openxmlformats.org/officeDocument/2006/relationships" xmlns:p="http://schemas.openxmlformats.org/presentationml/2006/main">
-  <p:cSld>
-    <p:spTree>
-      <p:nvGrpSpPr>
-        <p:cNvPr id="1" name=""/>
-        <p:cNvGrpSpPr/>
-        <p:nvPr/>
-      </p:nvGrpSpPr>
-      <p:grpSpPr>
-        <a:xfrm>
-          <a:off x="0" y="0"/>
-          <a:ext cx="0" cy="0"/>
-          <a:chOff x="0" y="0"/>
-          <a:chExt cx="0" cy="0"/>
-        </a:xfrm>
-      </p:grpSpPr>
-      <p:sp>
-        <p:nvSpPr>
-          <p:cNvPr id="2" name="제목 1">
-            <a:extLst>
-              <a:ext uri="{FF2B5EF4-FFF2-40B4-BE49-F238E27FC236}">
-                <a16:creationId xmlns:a16="http://schemas.microsoft.com/office/drawing/2014/main" id="{7E906C8A-FC39-7A44-BEBF-36FCC3DE560C}"/>
-              </a:ext>
-            </a:extLst>
-          </p:cNvPr>
-          <p:cNvSpPr>
-            <a:spLocks noGrp="1"/>
-          </p:cNvSpPr>
-          <p:nvPr>
-            <p:ph type="title"/>
-          </p:nvPr>
-        </p:nvSpPr>
-        <p:spPr>
-          <a:xfrm>
-            <a:off x="252919" y="1123837"/>
-            <a:ext cx="2947482" cy="4601183"/>
-          </a:xfrm>
-        </p:spPr>
-        <p:txBody>
-          <a:bodyPr/>
-          <a:lstStyle/>
-          <a:p>
-            <a:pPr algn="ctr"/>
-            <a:r>
-              <a:rPr kumimoji="1" lang="ko-KR" altLang="en-US" dirty="0"/>
-              <a:t>주의사항</a:t>
-            </a:r>
-            <a:r>
-              <a:rPr kumimoji="1" lang="en-US" altLang="ko-KR" dirty="0"/>
-              <a:t>!</a:t>
-            </a:r>
-            <a:br>
-              <a:rPr kumimoji="1" lang="en-US" altLang="ko-KR" dirty="0"/>
-            </a:br>
-            <a:r>
-              <a:rPr kumimoji="1" lang="en-US" altLang="ko-KR" sz="2000" dirty="0"/>
-              <a:t>(Most important)</a:t>
-            </a:r>
-            <a:endParaRPr kumimoji="1" lang="ko-KR" altLang="en-US" sz="2000" dirty="0"/>
-          </a:p>
-        </p:txBody>
-      </p:sp>
-      <p:sp>
-        <p:nvSpPr>
-          <p:cNvPr id="3" name="내용 개체 틀 2">
-            <a:extLst>
-              <a:ext uri="{FF2B5EF4-FFF2-40B4-BE49-F238E27FC236}">
-                <a16:creationId xmlns:a16="http://schemas.microsoft.com/office/drawing/2014/main" id="{F76159AB-0E8F-0549-97CB-A1DD2B92F485}"/>
-              </a:ext>
-            </a:extLst>
-          </p:cNvPr>
-          <p:cNvSpPr>
-            <a:spLocks noGrp="1"/>
-          </p:cNvSpPr>
-          <p:nvPr>
-            <p:ph idx="1"/>
-          </p:nvPr>
-        </p:nvSpPr>
-        <p:spPr/>
-        <p:txBody>
-          <a:bodyPr>
-            <a:normAutofit/>
-          </a:bodyPr>
-          <a:lstStyle/>
-          <a:p>
-            <a:pPr>
-              <a:lnSpc>
-                <a:spcPct val="150000"/>
-              </a:lnSpc>
-            </a:pPr>
-            <a:r>
-              <a:rPr kumimoji="1" lang="en-US" altLang="ko-KR" dirty="0"/>
-              <a:t>14.</a:t>
-            </a:r>
-            <a:r>
-              <a:rPr kumimoji="1" lang="ko-KR" altLang="en-US" dirty="0"/>
-              <a:t> 마지막으로 모든 작업을 할 때는</a:t>
-            </a:r>
-            <a:r>
-              <a:rPr kumimoji="1" lang="en-US" altLang="ko-KR" dirty="0"/>
-              <a:t>,</a:t>
-            </a:r>
-            <a:r>
-              <a:rPr kumimoji="1" lang="ko-KR" altLang="en-US" dirty="0"/>
-              <a:t> </a:t>
-            </a:r>
-            <a:r>
-              <a:rPr kumimoji="1" lang="ko-KR" altLang="en-US" b="1" u="sng" dirty="0"/>
-              <a:t>항상 최악을 고려하고</a:t>
-            </a:r>
-            <a:r>
-              <a:rPr kumimoji="1" lang="en-US" altLang="ko-KR" dirty="0"/>
-              <a:t>,</a:t>
-            </a:r>
-            <a:r>
-              <a:rPr kumimoji="1" lang="ko-KR" altLang="en-US" dirty="0"/>
-              <a:t> 모든 가능성을 </a:t>
-            </a:r>
-            <a:r>
-              <a:rPr kumimoji="1" lang="ko-KR" altLang="en-US" dirty="0" err="1"/>
-              <a:t>열어두어</a:t>
-            </a:r>
-            <a:r>
-              <a:rPr kumimoji="1" lang="ko-KR" altLang="en-US" dirty="0"/>
-              <a:t> 그에 대비 하고 작업을 </a:t>
-            </a:r>
-            <a:r>
-              <a:rPr kumimoji="1" lang="ko-KR" altLang="en-US" dirty="0" err="1"/>
-              <a:t>해야된다</a:t>
-            </a:r>
-            <a:r>
-              <a:rPr kumimoji="1" lang="en-US" altLang="ko-KR" dirty="0"/>
-              <a:t>!</a:t>
-            </a:r>
-          </a:p>
-        </p:txBody>
-      </p:sp>
-    </p:spTree>
-    <p:extLst>
-      <p:ext uri="{BB962C8B-B14F-4D97-AF65-F5344CB8AC3E}">
-        <p14:creationId xmlns:p14="http://schemas.microsoft.com/office/powerpoint/2010/main" val="2382293498"/>
-      </p:ext>
-    </p:extLst>
-  </p:cSld>
-  <p:clrMapOvr>
-    <a:masterClrMapping/>
-  </p:clrMapOvr>
-</p:sld>
-</file>
-
-<file path=ppt/slides/slide8.xml><?xml version="1.0" encoding="utf-8"?>
-<p:sld xmlns:a="http://schemas.openxmlformats.org/drawingml/2006/main" xmlns:r="http://schemas.openxmlformats.org/officeDocument/2006/relationships" xmlns:p="http://schemas.openxmlformats.org/presentationml/2006/main">
-  <p:cSld>
-    <p:spTree>
-      <p:nvGrpSpPr>
-        <p:cNvPr id="1" name=""/>
-        <p:cNvGrpSpPr/>
-        <p:nvPr/>
-      </p:nvGrpSpPr>
-      <p:grpSpPr>
-        <a:xfrm>
-          <a:off x="0" y="0"/>
-          <a:ext cx="0" cy="0"/>
-          <a:chOff x="0" y="0"/>
-          <a:chExt cx="0" cy="0"/>
-        </a:xfrm>
-      </p:grpSpPr>
-      <p:sp>
-        <p:nvSpPr>
-          <p:cNvPr id="2" name="제목 1">
-            <a:extLst>
-              <a:ext uri="{FF2B5EF4-FFF2-40B4-BE49-F238E27FC236}">
-                <a16:creationId xmlns:a16="http://schemas.microsoft.com/office/drawing/2014/main" id="{7E906C8A-FC39-7A44-BEBF-36FCC3DE560C}"/>
-              </a:ext>
-            </a:extLst>
-          </p:cNvPr>
-          <p:cNvSpPr>
-            <a:spLocks noGrp="1"/>
-          </p:cNvSpPr>
-          <p:nvPr>
-            <p:ph type="title"/>
-          </p:nvPr>
-        </p:nvSpPr>
-        <p:spPr>
-          <a:xfrm>
-            <a:off x="252919" y="1123837"/>
-            <a:ext cx="2947482" cy="4601183"/>
-          </a:xfrm>
-        </p:spPr>
-        <p:txBody>
-          <a:bodyPr/>
-          <a:lstStyle/>
-          <a:p>
-            <a:pPr algn="ctr"/>
-            <a:r>
-              <a:rPr kumimoji="1" lang="ko-KR" altLang="en-US" dirty="0"/>
-              <a:t>일단 출력</a:t>
-            </a:r>
-            <a:r>
-              <a:rPr kumimoji="1" lang="en-US" altLang="ko-KR" dirty="0"/>
-              <a:t>!</a:t>
-            </a:r>
-            <a:endParaRPr kumimoji="1" lang="ko-KR" altLang="en-US" sz="2000" dirty="0"/>
-          </a:p>
-        </p:txBody>
-      </p:sp>
-      <p:sp>
-        <p:nvSpPr>
-          <p:cNvPr id="3" name="내용 개체 틀 2">
-            <a:extLst>
-              <a:ext uri="{FF2B5EF4-FFF2-40B4-BE49-F238E27FC236}">
-                <a16:creationId xmlns:a16="http://schemas.microsoft.com/office/drawing/2014/main" id="{F76159AB-0E8F-0549-97CB-A1DD2B92F485}"/>
-              </a:ext>
-            </a:extLst>
-          </p:cNvPr>
-          <p:cNvSpPr>
-            <a:spLocks noGrp="1"/>
-          </p:cNvSpPr>
-          <p:nvPr>
-            <p:ph idx="1"/>
-          </p:nvPr>
-        </p:nvSpPr>
-        <p:spPr/>
-        <p:txBody>
-          <a:bodyPr/>
-          <a:lstStyle/>
-          <a:p>
-            <a:pPr>
-              <a:lnSpc>
-                <a:spcPct val="150000"/>
-              </a:lnSpc>
-            </a:pPr>
-            <a:r>
-              <a:rPr kumimoji="1" lang="en-US" altLang="ko-KR" dirty="0" err="1"/>
-              <a:t>Cura</a:t>
-            </a:r>
-            <a:r>
-              <a:rPr kumimoji="1" lang="ko-KR" altLang="en-US" dirty="0"/>
-              <a:t>에서 </a:t>
-            </a:r>
-            <a:r>
-              <a:rPr kumimoji="1" lang="ko-KR" altLang="en-US" dirty="0" err="1"/>
-              <a:t>슬라이싱</a:t>
-            </a:r>
-            <a:r>
-              <a:rPr kumimoji="1" lang="ko-KR" altLang="en-US"/>
-              <a:t> 하</a:t>
-            </a:r>
-            <a:endParaRPr kumimoji="1" lang="en-US" altLang="ko-KR" dirty="0"/>
-          </a:p>
-        </p:txBody>
-      </p:sp>
-    </p:spTree>
-    <p:extLst>
-      <p:ext uri="{BB962C8B-B14F-4D97-AF65-F5344CB8AC3E}">
-        <p14:creationId xmlns:p14="http://schemas.microsoft.com/office/powerpoint/2010/main" val="3421505082"/>
-      </p:ext>
-    </p:extLst>
-  </p:cSld>
-  <p:clrMapOvr>
-    <a:masterClrMapping/>
-  </p:clrMapOvr>
-</p:sld>
-</file>
-
-<file path=ppt/slides/slide9.xml><?xml version="1.0" encoding="utf-8"?>
 <p:sld xmlns:a="http://schemas.openxmlformats.org/drawingml/2006/main" xmlns:r="http://schemas.openxmlformats.org/officeDocument/2006/relationships" xmlns:p="http://schemas.openxmlformats.org/presentationml/2006/main">
   <p:cSld>
     <p:spTree>
